--- a/presentation/7.6/presentation.pptx
+++ b/presentation/7.6/presentation.pptx
@@ -10,6 +10,10 @@
     <p:sldId id="258" r:id="rId4"/>
     <p:sldId id="259" r:id="rId5"/>
     <p:sldId id="260" r:id="rId6"/>
+    <p:sldId id="261" r:id="rId7"/>
+    <p:sldId id="262" r:id="rId8"/>
+    <p:sldId id="264" r:id="rId9"/>
+    <p:sldId id="263" r:id="rId10"/>
   </p:sldIdLst>
   <p:sldSz cx="12192000" cy="6858000"/>
   <p:notesSz cx="6858000" cy="9144000"/>
@@ -3445,7 +3449,15 @@
             </a:r>
             <a:r>
               <a:rPr lang="en-US" altLang="zh-CN" dirty="0" err="1"/>
-              <a:t>XGboost</a:t>
+              <a:t>Xgboost</a:t>
+            </a:r>
+            <a:r>
+              <a:rPr lang="en-US" altLang="zh-CN" dirty="0"/>
+              <a:t> in </a:t>
+            </a:r>
+            <a:r>
+              <a:rPr lang="en-US" altLang="zh-CN" dirty="0" err="1"/>
+              <a:t>MSEloss</a:t>
             </a:r>
             <a:endParaRPr lang="zh-CN" altLang="en-US" dirty="0"/>
           </a:p>
@@ -3565,6 +3577,14 @@
               <a:rPr lang="en-US" altLang="zh-CN" dirty="0" err="1"/>
               <a:t>LightGBM</a:t>
             </a:r>
+            <a:r>
+              <a:rPr lang="en-US" altLang="zh-CN" dirty="0"/>
+              <a:t> in </a:t>
+            </a:r>
+            <a:r>
+              <a:rPr lang="en-US" altLang="zh-CN" dirty="0" err="1"/>
+              <a:t>MSEloss</a:t>
+            </a:r>
             <a:endParaRPr lang="zh-CN" altLang="en-US" dirty="0"/>
           </a:p>
         </p:txBody>
@@ -3687,6 +3707,14 @@
               <a:rPr lang="en-US" altLang="zh-CN" dirty="0" err="1"/>
               <a:t>LightGBM</a:t>
             </a:r>
+            <a:r>
+              <a:rPr lang="en-US" altLang="zh-CN" dirty="0"/>
+              <a:t> in </a:t>
+            </a:r>
+            <a:r>
+              <a:rPr lang="en-US" altLang="zh-CN" dirty="0" err="1"/>
+              <a:t>MSEloss</a:t>
+            </a:r>
             <a:endParaRPr lang="zh-CN" altLang="en-US" dirty="0"/>
           </a:p>
         </p:txBody>
@@ -3766,7 +3794,12 @@
             <p:ph type="title"/>
           </p:nvPr>
         </p:nvSpPr>
-        <p:spPr/>
+        <p:spPr>
+          <a:xfrm>
+            <a:off x="746760" y="500062"/>
+            <a:ext cx="10515600" cy="1325563"/>
+          </a:xfrm>
+        </p:spPr>
         <p:txBody>
           <a:bodyPr/>
           <a:lstStyle/>
@@ -3781,7 +3814,11 @@
             </a:r>
             <a:r>
               <a:rPr lang="en-US" altLang="zh-CN" dirty="0"/>
-              <a:t> vs Simple ANN</a:t>
+              <a:t> vs Simple ANN in </a:t>
+            </a:r>
+            <a:r>
+              <a:rPr lang="en-US" altLang="zh-CN" dirty="0" err="1"/>
+              <a:t>MSEloss</a:t>
             </a:r>
             <a:endParaRPr lang="zh-CN" altLang="en-US" dirty="0"/>
           </a:p>
@@ -3820,6 +3857,671 @@
     <p:extLst>
       <p:ext uri="{BB962C8B-B14F-4D97-AF65-F5344CB8AC3E}">
         <p14:creationId xmlns:p14="http://schemas.microsoft.com/office/powerpoint/2010/main" val="3808163166"/>
+      </p:ext>
+    </p:extLst>
+  </p:cSld>
+  <p:clrMapOvr>
+    <a:masterClrMapping/>
+  </p:clrMapOvr>
+</p:sld>
+</file>
+
+<file path=ppt/slides/slide6.xml><?xml version="1.0" encoding="utf-8"?>
+<p:sld xmlns:a="http://schemas.openxmlformats.org/drawingml/2006/main" xmlns:r="http://schemas.openxmlformats.org/officeDocument/2006/relationships" xmlns:p="http://schemas.openxmlformats.org/presentationml/2006/main">
+  <p:cSld>
+    <p:spTree>
+      <p:nvGrpSpPr>
+        <p:cNvPr id="1" name=""/>
+        <p:cNvGrpSpPr/>
+        <p:nvPr/>
+      </p:nvGrpSpPr>
+      <p:grpSpPr>
+        <a:xfrm>
+          <a:off x="0" y="0"/>
+          <a:ext cx="0" cy="0"/>
+          <a:chOff x="0" y="0"/>
+          <a:chExt cx="0" cy="0"/>
+        </a:xfrm>
+      </p:grpSpPr>
+      <p:sp>
+        <p:nvSpPr>
+          <p:cNvPr id="2" name="标题 1">
+            <a:extLst>
+              <a:ext uri="{FF2B5EF4-FFF2-40B4-BE49-F238E27FC236}">
+                <a16:creationId xmlns:a16="http://schemas.microsoft.com/office/drawing/2014/main" id="{7FB8DAE1-4BB9-5CA3-480C-A62DE26AB662}"/>
+              </a:ext>
+            </a:extLst>
+          </p:cNvPr>
+          <p:cNvSpPr>
+            <a:spLocks noGrp="1"/>
+          </p:cNvSpPr>
+          <p:nvPr>
+            <p:ph type="title"/>
+          </p:nvPr>
+        </p:nvSpPr>
+        <p:spPr>
+          <a:xfrm>
+            <a:off x="838200" y="172045"/>
+            <a:ext cx="10515600" cy="1460500"/>
+          </a:xfrm>
+        </p:spPr>
+        <p:txBody>
+          <a:bodyPr/>
+          <a:lstStyle/>
+          <a:p>
+            <a:r>
+              <a:rPr lang="en-US" altLang="zh-CN" dirty="0"/>
+              <a:t>Simple ANN vs </a:t>
+            </a:r>
+            <a:r>
+              <a:rPr lang="en-US" altLang="zh-CN" dirty="0" err="1"/>
+              <a:t>LightGBM</a:t>
+            </a:r>
+            <a:r>
+              <a:rPr lang="en-US" altLang="zh-CN" dirty="0"/>
+              <a:t> in train time (in same machine)</a:t>
+            </a:r>
+            <a:endParaRPr lang="zh-CN" altLang="en-US" dirty="0"/>
+          </a:p>
+        </p:txBody>
+      </p:sp>
+      <p:sp>
+        <p:nvSpPr>
+          <p:cNvPr id="6" name="文本框 5">
+            <a:extLst>
+              <a:ext uri="{FF2B5EF4-FFF2-40B4-BE49-F238E27FC236}">
+                <a16:creationId xmlns:a16="http://schemas.microsoft.com/office/drawing/2014/main" id="{0CC67BE2-E8D3-37B1-C23A-BA5A35C22939}"/>
+              </a:ext>
+            </a:extLst>
+          </p:cNvPr>
+          <p:cNvSpPr txBox="1"/>
+          <p:nvPr/>
+        </p:nvSpPr>
+        <p:spPr>
+          <a:xfrm>
+            <a:off x="1476028" y="5388570"/>
+            <a:ext cx="6936509" cy="923330"/>
+          </a:xfrm>
+          <a:prstGeom prst="rect">
+            <a:avLst/>
+          </a:prstGeom>
+          <a:noFill/>
+        </p:spPr>
+        <p:txBody>
+          <a:bodyPr wrap="square" rtlCol="0">
+            <a:spAutoFit/>
+          </a:bodyPr>
+          <a:lstStyle/>
+          <a:p>
+            <a:r>
+              <a:rPr lang="en-US" altLang="zh-CN" dirty="0"/>
+              <a:t>The time of simple ANN doesn’t increase with mixture, it might because the </a:t>
+            </a:r>
+            <a:r>
+              <a:rPr lang="en-US" altLang="zh-CN" dirty="0" err="1"/>
+              <a:t>parallal</a:t>
+            </a:r>
+            <a:r>
+              <a:rPr lang="en-US" altLang="zh-CN" dirty="0"/>
+              <a:t>  power of  GPU is too high. I can also because the test sample is relative low(10 times)</a:t>
+            </a:r>
+            <a:endParaRPr lang="zh-CN" altLang="en-US" dirty="0"/>
+          </a:p>
+        </p:txBody>
+      </p:sp>
+      <p:pic>
+        <p:nvPicPr>
+          <p:cNvPr id="14" name="图片 13">
+            <a:extLst>
+              <a:ext uri="{FF2B5EF4-FFF2-40B4-BE49-F238E27FC236}">
+                <a16:creationId xmlns:a16="http://schemas.microsoft.com/office/drawing/2014/main" id="{00671B61-E80C-DEB5-AF7D-78FC1C70D392}"/>
+              </a:ext>
+            </a:extLst>
+          </p:cNvPr>
+          <p:cNvPicPr>
+            <a:picLocks noChangeAspect="1"/>
+          </p:cNvPicPr>
+          <p:nvPr/>
+        </p:nvPicPr>
+        <p:blipFill>
+          <a:blip r:embed="rId2"/>
+          <a:stretch>
+            <a:fillRect/>
+          </a:stretch>
+        </p:blipFill>
+        <p:spPr>
+          <a:xfrm>
+            <a:off x="6096000" y="1408031"/>
+            <a:ext cx="5678574" cy="3783608"/>
+          </a:xfrm>
+          <a:prstGeom prst="rect">
+            <a:avLst/>
+          </a:prstGeom>
+        </p:spPr>
+      </p:pic>
+      <p:sp>
+        <p:nvSpPr>
+          <p:cNvPr id="20" name="内容占位符 19">
+            <a:extLst>
+              <a:ext uri="{FF2B5EF4-FFF2-40B4-BE49-F238E27FC236}">
+                <a16:creationId xmlns:a16="http://schemas.microsoft.com/office/drawing/2014/main" id="{4CFDD2AA-E826-2E1F-E242-55FC349DE2A1}"/>
+              </a:ext>
+            </a:extLst>
+          </p:cNvPr>
+          <p:cNvSpPr>
+            <a:spLocks noGrp="1"/>
+          </p:cNvSpPr>
+          <p:nvPr>
+            <p:ph idx="1"/>
+          </p:nvPr>
+        </p:nvSpPr>
+        <p:spPr/>
+        <p:txBody>
+          <a:bodyPr/>
+          <a:lstStyle/>
+          <a:p>
+            <a:endParaRPr lang="zh-CN" altLang="en-US" dirty="0"/>
+          </a:p>
+        </p:txBody>
+      </p:sp>
+      <p:pic>
+        <p:nvPicPr>
+          <p:cNvPr id="22" name="图片 21">
+            <a:extLst>
+              <a:ext uri="{FF2B5EF4-FFF2-40B4-BE49-F238E27FC236}">
+                <a16:creationId xmlns:a16="http://schemas.microsoft.com/office/drawing/2014/main" id="{2E7B6E97-825C-4710-70B8-F69294DFCAAD}"/>
+              </a:ext>
+            </a:extLst>
+          </p:cNvPr>
+          <p:cNvPicPr>
+            <a:picLocks noChangeAspect="1"/>
+          </p:cNvPicPr>
+          <p:nvPr/>
+        </p:nvPicPr>
+        <p:blipFill>
+          <a:blip r:embed="rId3"/>
+          <a:stretch>
+            <a:fillRect/>
+          </a:stretch>
+        </p:blipFill>
+        <p:spPr>
+          <a:xfrm>
+            <a:off x="82178" y="1408031"/>
+            <a:ext cx="5893750" cy="3689647"/>
+          </a:xfrm>
+          <a:prstGeom prst="rect">
+            <a:avLst/>
+          </a:prstGeom>
+        </p:spPr>
+      </p:pic>
+    </p:spTree>
+    <p:extLst>
+      <p:ext uri="{BB962C8B-B14F-4D97-AF65-F5344CB8AC3E}">
+        <p14:creationId xmlns:p14="http://schemas.microsoft.com/office/powerpoint/2010/main" val="4059664192"/>
+      </p:ext>
+    </p:extLst>
+  </p:cSld>
+  <p:clrMapOvr>
+    <a:masterClrMapping/>
+  </p:clrMapOvr>
+</p:sld>
+</file>
+
+<file path=ppt/slides/slide7.xml><?xml version="1.0" encoding="utf-8"?>
+<p:sld xmlns:a="http://schemas.openxmlformats.org/drawingml/2006/main" xmlns:r="http://schemas.openxmlformats.org/officeDocument/2006/relationships" xmlns:p="http://schemas.openxmlformats.org/presentationml/2006/main">
+  <p:cSld>
+    <p:spTree>
+      <p:nvGrpSpPr>
+        <p:cNvPr id="1" name=""/>
+        <p:cNvGrpSpPr/>
+        <p:nvPr/>
+      </p:nvGrpSpPr>
+      <p:grpSpPr>
+        <a:xfrm>
+          <a:off x="0" y="0"/>
+          <a:ext cx="0" cy="0"/>
+          <a:chOff x="0" y="0"/>
+          <a:chExt cx="0" cy="0"/>
+        </a:xfrm>
+      </p:grpSpPr>
+      <p:sp>
+        <p:nvSpPr>
+          <p:cNvPr id="2" name="标题 1">
+            <a:extLst>
+              <a:ext uri="{FF2B5EF4-FFF2-40B4-BE49-F238E27FC236}">
+                <a16:creationId xmlns:a16="http://schemas.microsoft.com/office/drawing/2014/main" id="{B83FBBA8-131C-6452-30DA-7E164032F0C6}"/>
+              </a:ext>
+            </a:extLst>
+          </p:cNvPr>
+          <p:cNvSpPr>
+            <a:spLocks noGrp="1"/>
+          </p:cNvSpPr>
+          <p:nvPr>
+            <p:ph type="title"/>
+          </p:nvPr>
+        </p:nvSpPr>
+        <p:spPr/>
+        <p:txBody>
+          <a:bodyPr/>
+          <a:lstStyle/>
+          <a:p>
+            <a:r>
+              <a:rPr lang="en-US" altLang="zh-CN" dirty="0"/>
+              <a:t>About PINN </a:t>
+            </a:r>
+            <a:endParaRPr lang="zh-CN" altLang="en-US" dirty="0"/>
+          </a:p>
+        </p:txBody>
+      </p:sp>
+      <p:sp>
+        <p:nvSpPr>
+          <p:cNvPr id="3" name="内容占位符 2">
+            <a:extLst>
+              <a:ext uri="{FF2B5EF4-FFF2-40B4-BE49-F238E27FC236}">
+                <a16:creationId xmlns:a16="http://schemas.microsoft.com/office/drawing/2014/main" id="{63A2C429-D806-4B62-2B2C-C4049125DB48}"/>
+              </a:ext>
+            </a:extLst>
+          </p:cNvPr>
+          <p:cNvSpPr>
+            <a:spLocks noGrp="1"/>
+          </p:cNvSpPr>
+          <p:nvPr>
+            <p:ph idx="1"/>
+          </p:nvPr>
+        </p:nvSpPr>
+        <p:spPr/>
+        <p:txBody>
+          <a:bodyPr/>
+          <a:lstStyle/>
+          <a:p>
+            <a:r>
+              <a:rPr lang="en-US" altLang="zh-CN" dirty="0"/>
+              <a:t>I finish the code part, the HPC system is still running and generating data</a:t>
+            </a:r>
+          </a:p>
+          <a:p>
+            <a:endParaRPr lang="zh-CN" altLang="en-US" dirty="0"/>
+          </a:p>
+        </p:txBody>
+      </p:sp>
+      <p:pic>
+        <p:nvPicPr>
+          <p:cNvPr id="5" name="图片 4">
+            <a:extLst>
+              <a:ext uri="{FF2B5EF4-FFF2-40B4-BE49-F238E27FC236}">
+                <a16:creationId xmlns:a16="http://schemas.microsoft.com/office/drawing/2014/main" id="{CEF562DB-3DFA-261B-6B36-BD9F2C91F435}"/>
+              </a:ext>
+            </a:extLst>
+          </p:cNvPr>
+          <p:cNvPicPr>
+            <a:picLocks noChangeAspect="1"/>
+          </p:cNvPicPr>
+          <p:nvPr/>
+        </p:nvPicPr>
+        <p:blipFill>
+          <a:blip r:embed="rId2"/>
+          <a:stretch>
+            <a:fillRect/>
+          </a:stretch>
+        </p:blipFill>
+        <p:spPr>
+          <a:xfrm>
+            <a:off x="1159666" y="2641133"/>
+            <a:ext cx="9000333" cy="3934374"/>
+          </a:xfrm>
+          <a:prstGeom prst="rect">
+            <a:avLst/>
+          </a:prstGeom>
+        </p:spPr>
+      </p:pic>
+      <p:sp>
+        <p:nvSpPr>
+          <p:cNvPr id="6" name="文本框 5">
+            <a:extLst>
+              <a:ext uri="{FF2B5EF4-FFF2-40B4-BE49-F238E27FC236}">
+                <a16:creationId xmlns:a16="http://schemas.microsoft.com/office/drawing/2014/main" id="{6B0DA0F5-0FBC-E7FB-511A-715600125B76}"/>
+              </a:ext>
+            </a:extLst>
+          </p:cNvPr>
+          <p:cNvSpPr txBox="1"/>
+          <p:nvPr/>
+        </p:nvSpPr>
+        <p:spPr>
+          <a:xfrm>
+            <a:off x="1159666" y="6206175"/>
+            <a:ext cx="6631709" cy="369332"/>
+          </a:xfrm>
+          <a:prstGeom prst="rect">
+            <a:avLst/>
+          </a:prstGeom>
+          <a:noFill/>
+        </p:spPr>
+        <p:txBody>
+          <a:bodyPr wrap="square" rtlCol="0">
+            <a:spAutoFit/>
+          </a:bodyPr>
+          <a:lstStyle/>
+          <a:p>
+            <a:r>
+              <a:rPr lang="en-US" altLang="zh-CN" dirty="0"/>
+              <a:t>I turned to use grid search since it support parallel programming</a:t>
+            </a:r>
+            <a:endParaRPr lang="zh-CN" altLang="en-US" dirty="0"/>
+          </a:p>
+        </p:txBody>
+      </p:sp>
+    </p:spTree>
+    <p:extLst>
+      <p:ext uri="{BB962C8B-B14F-4D97-AF65-F5344CB8AC3E}">
+        <p14:creationId xmlns:p14="http://schemas.microsoft.com/office/powerpoint/2010/main" val="3627800169"/>
+      </p:ext>
+    </p:extLst>
+  </p:cSld>
+  <p:clrMapOvr>
+    <a:masterClrMapping/>
+  </p:clrMapOvr>
+</p:sld>
+</file>
+
+<file path=ppt/slides/slide8.xml><?xml version="1.0" encoding="utf-8"?>
+<p:sld xmlns:a="http://schemas.openxmlformats.org/drawingml/2006/main" xmlns:r="http://schemas.openxmlformats.org/officeDocument/2006/relationships" xmlns:p="http://schemas.openxmlformats.org/presentationml/2006/main">
+  <p:cSld>
+    <p:spTree>
+      <p:nvGrpSpPr>
+        <p:cNvPr id="1" name=""/>
+        <p:cNvGrpSpPr/>
+        <p:nvPr/>
+      </p:nvGrpSpPr>
+      <p:grpSpPr>
+        <a:xfrm>
+          <a:off x="0" y="0"/>
+          <a:ext cx="0" cy="0"/>
+          <a:chOff x="0" y="0"/>
+          <a:chExt cx="0" cy="0"/>
+        </a:xfrm>
+      </p:grpSpPr>
+      <p:sp>
+        <p:nvSpPr>
+          <p:cNvPr id="2" name="标题 1">
+            <a:extLst>
+              <a:ext uri="{FF2B5EF4-FFF2-40B4-BE49-F238E27FC236}">
+                <a16:creationId xmlns:a16="http://schemas.microsoft.com/office/drawing/2014/main" id="{FDC0FFEF-B288-DD1A-0CBA-A1C6B2FF2C48}"/>
+              </a:ext>
+            </a:extLst>
+          </p:cNvPr>
+          <p:cNvSpPr>
+            <a:spLocks noGrp="1"/>
+          </p:cNvSpPr>
+          <p:nvPr>
+            <p:ph type="title"/>
+          </p:nvPr>
+        </p:nvSpPr>
+        <p:spPr/>
+        <p:txBody>
+          <a:bodyPr/>
+          <a:lstStyle/>
+          <a:p>
+            <a:r>
+              <a:rPr lang="en-US" altLang="zh-CN" dirty="0"/>
+              <a:t>PINN</a:t>
+            </a:r>
+            <a:endParaRPr lang="zh-CN" altLang="en-US" dirty="0"/>
+          </a:p>
+        </p:txBody>
+      </p:sp>
+      <p:sp>
+        <p:nvSpPr>
+          <p:cNvPr id="3" name="内容占位符 2">
+            <a:extLst>
+              <a:ext uri="{FF2B5EF4-FFF2-40B4-BE49-F238E27FC236}">
+                <a16:creationId xmlns:a16="http://schemas.microsoft.com/office/drawing/2014/main" id="{00A73CC5-A217-37E1-41AA-6F2040FB7A05}"/>
+              </a:ext>
+            </a:extLst>
+          </p:cNvPr>
+          <p:cNvSpPr>
+            <a:spLocks noGrp="1"/>
+          </p:cNvSpPr>
+          <p:nvPr>
+            <p:ph idx="1"/>
+          </p:nvPr>
+        </p:nvSpPr>
+        <p:spPr/>
+        <p:txBody>
+          <a:bodyPr/>
+          <a:lstStyle/>
+          <a:p>
+            <a:r>
+              <a:rPr lang="en-US" altLang="zh-CN" dirty="0"/>
+              <a:t>The data may shows that change rate of Physical constrain doesn’t benefit much for </a:t>
+            </a:r>
+            <a:r>
+              <a:rPr lang="en-US" altLang="zh-CN" dirty="0" err="1"/>
+              <a:t>MSEloss</a:t>
+            </a:r>
+            <a:r>
+              <a:rPr lang="en-US" altLang="zh-CN" dirty="0"/>
+              <a:t>      </a:t>
+            </a:r>
+          </a:p>
+          <a:p>
+            <a:pPr lvl="8"/>
+            <a:r>
+              <a:rPr lang="en-US" altLang="zh-CN" dirty="0"/>
+              <a:t>            target: </a:t>
+            </a:r>
+            <a:r>
+              <a:rPr lang="en-US" altLang="zh-CN" dirty="0" err="1"/>
+              <a:t>MSEloss</a:t>
+            </a:r>
+            <a:r>
+              <a:rPr lang="en-US" altLang="zh-CN" dirty="0"/>
+              <a:t> </a:t>
+            </a:r>
+          </a:p>
+          <a:p>
+            <a:pPr lvl="8"/>
+            <a:r>
+              <a:rPr lang="en-US" altLang="zh-CN" dirty="0"/>
+              <a:t>            params: </a:t>
+            </a:r>
+            <a:r>
+              <a:rPr lang="en-US" altLang="zh-CN" dirty="0" err="1"/>
+              <a:t>ratial</a:t>
+            </a:r>
+            <a:r>
+              <a:rPr lang="en-US" altLang="zh-CN" dirty="0"/>
+              <a:t> of Mass loss in </a:t>
+            </a:r>
+            <a:r>
+              <a:rPr lang="en-US" altLang="zh-CN" dirty="0" err="1"/>
+              <a:t>MSELoss</a:t>
+            </a:r>
+            <a:r>
+              <a:rPr lang="en-US" altLang="zh-CN" dirty="0"/>
+              <a:t> from 0.05 to 100</a:t>
+            </a:r>
+          </a:p>
+          <a:p>
+            <a:pPr lvl="8"/>
+            <a:r>
+              <a:rPr lang="en-US" altLang="zh-CN" dirty="0"/>
+              <a:t>            </a:t>
+            </a:r>
+          </a:p>
+          <a:p>
+            <a:pPr lvl="8"/>
+            <a:r>
+              <a:rPr lang="en-US" altLang="zh-CN" dirty="0"/>
+              <a:t>            </a:t>
+            </a:r>
+            <a:endParaRPr lang="zh-CN" altLang="en-US" dirty="0"/>
+          </a:p>
+        </p:txBody>
+      </p:sp>
+      <p:pic>
+        <p:nvPicPr>
+          <p:cNvPr id="7" name="图片 6">
+            <a:extLst>
+              <a:ext uri="{FF2B5EF4-FFF2-40B4-BE49-F238E27FC236}">
+                <a16:creationId xmlns:a16="http://schemas.microsoft.com/office/drawing/2014/main" id="{BCE55D62-FFCE-3204-A430-01A823659E58}"/>
+              </a:ext>
+            </a:extLst>
+          </p:cNvPr>
+          <p:cNvPicPr>
+            <a:picLocks noChangeAspect="1"/>
+          </p:cNvPicPr>
+          <p:nvPr/>
+        </p:nvPicPr>
+        <p:blipFill>
+          <a:blip r:embed="rId2"/>
+          <a:stretch>
+            <a:fillRect/>
+          </a:stretch>
+        </p:blipFill>
+        <p:spPr>
+          <a:xfrm>
+            <a:off x="838200" y="2662010"/>
+            <a:ext cx="3918527" cy="3830865"/>
+          </a:xfrm>
+          <a:prstGeom prst="rect">
+            <a:avLst/>
+          </a:prstGeom>
+        </p:spPr>
+      </p:pic>
+    </p:spTree>
+    <p:extLst>
+      <p:ext uri="{BB962C8B-B14F-4D97-AF65-F5344CB8AC3E}">
+        <p14:creationId xmlns:p14="http://schemas.microsoft.com/office/powerpoint/2010/main" val="419250882"/>
+      </p:ext>
+    </p:extLst>
+  </p:cSld>
+  <p:clrMapOvr>
+    <a:masterClrMapping/>
+  </p:clrMapOvr>
+</p:sld>
+</file>
+
+<file path=ppt/slides/slide9.xml><?xml version="1.0" encoding="utf-8"?>
+<p:sld xmlns:a="http://schemas.openxmlformats.org/drawingml/2006/main" xmlns:r="http://schemas.openxmlformats.org/officeDocument/2006/relationships" xmlns:p="http://schemas.openxmlformats.org/presentationml/2006/main">
+  <p:cSld>
+    <p:spTree>
+      <p:nvGrpSpPr>
+        <p:cNvPr id="1" name=""/>
+        <p:cNvGrpSpPr/>
+        <p:nvPr/>
+      </p:nvGrpSpPr>
+      <p:grpSpPr>
+        <a:xfrm>
+          <a:off x="0" y="0"/>
+          <a:ext cx="0" cy="0"/>
+          <a:chOff x="0" y="0"/>
+          <a:chExt cx="0" cy="0"/>
+        </a:xfrm>
+      </p:grpSpPr>
+      <p:sp>
+        <p:nvSpPr>
+          <p:cNvPr id="2" name="标题 1">
+            <a:extLst>
+              <a:ext uri="{FF2B5EF4-FFF2-40B4-BE49-F238E27FC236}">
+                <a16:creationId xmlns:a16="http://schemas.microsoft.com/office/drawing/2014/main" id="{EDA8A2FA-41C8-7EB1-9401-970CBD5B6BF5}"/>
+              </a:ext>
+            </a:extLst>
+          </p:cNvPr>
+          <p:cNvSpPr>
+            <a:spLocks noGrp="1"/>
+          </p:cNvSpPr>
+          <p:nvPr>
+            <p:ph type="title"/>
+          </p:nvPr>
+        </p:nvSpPr>
+        <p:spPr/>
+        <p:txBody>
+          <a:bodyPr/>
+          <a:lstStyle/>
+          <a:p>
+            <a:r>
+              <a:rPr lang="en-US" altLang="zh-CN" dirty="0"/>
+              <a:t>About model </a:t>
+            </a:r>
+            <a:r>
+              <a:rPr lang="en-US" altLang="zh-CN" dirty="0" err="1"/>
+              <a:t>essemble</a:t>
+            </a:r>
+            <a:endParaRPr lang="zh-CN" altLang="en-US" dirty="0"/>
+          </a:p>
+        </p:txBody>
+      </p:sp>
+      <p:sp>
+        <p:nvSpPr>
+          <p:cNvPr id="3" name="内容占位符 2">
+            <a:extLst>
+              <a:ext uri="{FF2B5EF4-FFF2-40B4-BE49-F238E27FC236}">
+                <a16:creationId xmlns:a16="http://schemas.microsoft.com/office/drawing/2014/main" id="{58BE00B2-21F3-9A8F-BE39-BD8DB52DC0B2}"/>
+              </a:ext>
+            </a:extLst>
+          </p:cNvPr>
+          <p:cNvSpPr>
+            <a:spLocks noGrp="1"/>
+          </p:cNvSpPr>
+          <p:nvPr>
+            <p:ph idx="1"/>
+          </p:nvPr>
+        </p:nvSpPr>
+        <p:spPr/>
+        <p:txBody>
+          <a:bodyPr/>
+          <a:lstStyle/>
+          <a:p>
+            <a:r>
+              <a:rPr lang="en-US" altLang="zh-CN" dirty="0"/>
+              <a:t>I write a class and it can automatically stack as many model as I want</a:t>
+            </a:r>
+          </a:p>
+          <a:p>
+            <a:r>
+              <a:rPr lang="en-US" altLang="zh-CN" dirty="0"/>
+              <a:t>It is going to be sent to HPC to see the performance</a:t>
+            </a:r>
+          </a:p>
+          <a:p>
+            <a:endParaRPr lang="zh-CN" altLang="en-US" dirty="0"/>
+          </a:p>
+        </p:txBody>
+      </p:sp>
+      <p:pic>
+        <p:nvPicPr>
+          <p:cNvPr id="5" name="图片 4">
+            <a:extLst>
+              <a:ext uri="{FF2B5EF4-FFF2-40B4-BE49-F238E27FC236}">
+                <a16:creationId xmlns:a16="http://schemas.microsoft.com/office/drawing/2014/main" id="{E897FC47-6880-E7E4-AB3D-A9BDA984F48A}"/>
+              </a:ext>
+            </a:extLst>
+          </p:cNvPr>
+          <p:cNvPicPr>
+            <a:picLocks noChangeAspect="1"/>
+          </p:cNvPicPr>
+          <p:nvPr/>
+        </p:nvPicPr>
+        <p:blipFill>
+          <a:blip r:embed="rId2"/>
+          <a:stretch>
+            <a:fillRect/>
+          </a:stretch>
+        </p:blipFill>
+        <p:spPr>
+          <a:xfrm>
+            <a:off x="620769" y="3293864"/>
+            <a:ext cx="7459116" cy="3199011"/>
+          </a:xfrm>
+          <a:prstGeom prst="rect">
+            <a:avLst/>
+          </a:prstGeom>
+        </p:spPr>
+      </p:pic>
+    </p:spTree>
+    <p:extLst>
+      <p:ext uri="{BB962C8B-B14F-4D97-AF65-F5344CB8AC3E}">
+        <p14:creationId xmlns:p14="http://schemas.microsoft.com/office/powerpoint/2010/main" val="1750021701"/>
       </p:ext>
     </p:extLst>
   </p:cSld>
